--- a/Algorytm solaryzacji obrazu.pptx
+++ b/Algorytm solaryzacji obrazu.pptx
@@ -170,6 +170,7 @@
           <a:p>
             <a:fld id="{7C460A5F-A753-4297-9A13-1AA0AD76B299}" type="datetimeFigureOut">
               <a:rPr lang="pl-PL" smtClean="0"/>
+              <a:pPr/>
               <a:t>2018-11-28</a:t>
             </a:fld>
             <a:endParaRPr lang="pl-PL"/>
@@ -212,6 +213,7 @@
           <a:p>
             <a:fld id="{F3ABF3B1-8D0D-4ADB-B5C8-98FA2720C351}" type="slidenum">
               <a:rPr lang="pl-PL" smtClean="0"/>
+              <a:pPr/>
               <a:t>‹#›</a:t>
             </a:fld>
             <a:endParaRPr lang="pl-PL"/>
@@ -486,6 +488,7 @@
           <a:p>
             <a:fld id="{7C460A5F-A753-4297-9A13-1AA0AD76B299}" type="datetimeFigureOut">
               <a:rPr lang="pl-PL" smtClean="0"/>
+              <a:pPr/>
               <a:t>2018-11-28</a:t>
             </a:fld>
             <a:endParaRPr lang="pl-PL"/>
@@ -528,6 +531,7 @@
           <a:p>
             <a:fld id="{F3ABF3B1-8D0D-4ADB-B5C8-98FA2720C351}" type="slidenum">
               <a:rPr lang="pl-PL" smtClean="0"/>
+              <a:pPr/>
               <a:t>‹#›</a:t>
             </a:fld>
             <a:endParaRPr lang="pl-PL"/>
@@ -661,6 +665,7 @@
           <a:p>
             <a:fld id="{7C460A5F-A753-4297-9A13-1AA0AD76B299}" type="datetimeFigureOut">
               <a:rPr lang="pl-PL" smtClean="0"/>
+              <a:pPr/>
               <a:t>2018-11-28</a:t>
             </a:fld>
             <a:endParaRPr lang="pl-PL"/>
@@ -703,6 +708,7 @@
           <a:p>
             <a:fld id="{F3ABF3B1-8D0D-4ADB-B5C8-98FA2720C351}" type="slidenum">
               <a:rPr lang="pl-PL" smtClean="0"/>
+              <a:pPr/>
               <a:t>‹#›</a:t>
             </a:fld>
             <a:endParaRPr lang="pl-PL"/>
@@ -779,6 +785,7 @@
           <a:p>
             <a:fld id="{7C460A5F-A753-4297-9A13-1AA0AD76B299}" type="datetimeFigureOut">
               <a:rPr lang="pl-PL" smtClean="0"/>
+              <a:pPr/>
               <a:t>2018-11-28</a:t>
             </a:fld>
             <a:endParaRPr lang="pl-PL"/>
@@ -821,6 +828,7 @@
           <a:p>
             <a:fld id="{F3ABF3B1-8D0D-4ADB-B5C8-98FA2720C351}" type="slidenum">
               <a:rPr lang="pl-PL" smtClean="0"/>
+              <a:pPr/>
               <a:t>‹#›</a:t>
             </a:fld>
             <a:endParaRPr lang="pl-PL"/>
@@ -1077,6 +1085,7 @@
           <a:p>
             <a:fld id="{7C460A5F-A753-4297-9A13-1AA0AD76B299}" type="datetimeFigureOut">
               <a:rPr lang="pl-PL" smtClean="0"/>
+              <a:pPr/>
               <a:t>2018-11-28</a:t>
             </a:fld>
             <a:endParaRPr lang="pl-PL"/>
@@ -1119,6 +1128,7 @@
           <a:p>
             <a:fld id="{F3ABF3B1-8D0D-4ADB-B5C8-98FA2720C351}" type="slidenum">
               <a:rPr lang="pl-PL" smtClean="0"/>
+              <a:pPr/>
               <a:t>‹#›</a:t>
             </a:fld>
             <a:endParaRPr lang="pl-PL"/>
@@ -1370,6 +1380,7 @@
           <a:p>
             <a:fld id="{7C460A5F-A753-4297-9A13-1AA0AD76B299}" type="datetimeFigureOut">
               <a:rPr lang="pl-PL" smtClean="0"/>
+              <a:pPr/>
               <a:t>2018-11-28</a:t>
             </a:fld>
             <a:endParaRPr lang="pl-PL"/>
@@ -1412,6 +1423,7 @@
           <a:p>
             <a:fld id="{F3ABF3B1-8D0D-4ADB-B5C8-98FA2720C351}" type="slidenum">
               <a:rPr lang="pl-PL" smtClean="0"/>
+              <a:pPr/>
               <a:t>‹#›</a:t>
             </a:fld>
             <a:endParaRPr lang="pl-PL"/>
@@ -1798,6 +1810,7 @@
           <a:p>
             <a:fld id="{7C460A5F-A753-4297-9A13-1AA0AD76B299}" type="datetimeFigureOut">
               <a:rPr lang="pl-PL" smtClean="0"/>
+              <a:pPr/>
               <a:t>2018-11-28</a:t>
             </a:fld>
             <a:endParaRPr lang="pl-PL"/>
@@ -1840,6 +1853,7 @@
           <a:p>
             <a:fld id="{F3ABF3B1-8D0D-4ADB-B5C8-98FA2720C351}" type="slidenum">
               <a:rPr lang="pl-PL" smtClean="0"/>
+              <a:pPr/>
               <a:t>‹#›</a:t>
             </a:fld>
             <a:endParaRPr lang="pl-PL"/>
@@ -1916,6 +1930,7 @@
           <a:p>
             <a:fld id="{7C460A5F-A753-4297-9A13-1AA0AD76B299}" type="datetimeFigureOut">
               <a:rPr lang="pl-PL" smtClean="0"/>
+              <a:pPr/>
               <a:t>2018-11-28</a:t>
             </a:fld>
             <a:endParaRPr lang="pl-PL"/>
@@ -1958,6 +1973,7 @@
           <a:p>
             <a:fld id="{F3ABF3B1-8D0D-4ADB-B5C8-98FA2720C351}" type="slidenum">
               <a:rPr lang="pl-PL" smtClean="0"/>
+              <a:pPr/>
               <a:t>‹#›</a:t>
             </a:fld>
             <a:endParaRPr lang="pl-PL"/>
@@ -2006,6 +2022,7 @@
           <a:p>
             <a:fld id="{7C460A5F-A753-4297-9A13-1AA0AD76B299}" type="datetimeFigureOut">
               <a:rPr lang="pl-PL" smtClean="0"/>
+              <a:pPr/>
               <a:t>2018-11-28</a:t>
             </a:fld>
             <a:endParaRPr lang="pl-PL"/>
@@ -2048,6 +2065,7 @@
           <a:p>
             <a:fld id="{F3ABF3B1-8D0D-4ADB-B5C8-98FA2720C351}" type="slidenum">
               <a:rPr lang="pl-PL" smtClean="0"/>
+              <a:pPr/>
               <a:t>‹#›</a:t>
             </a:fld>
             <a:endParaRPr lang="pl-PL"/>
@@ -2256,6 +2274,7 @@
           <a:p>
             <a:fld id="{7C460A5F-A753-4297-9A13-1AA0AD76B299}" type="datetimeFigureOut">
               <a:rPr lang="pl-PL" smtClean="0"/>
+              <a:pPr/>
               <a:t>2018-11-28</a:t>
             </a:fld>
             <a:endParaRPr lang="pl-PL"/>
@@ -2298,6 +2317,7 @@
           <a:p>
             <a:fld id="{F3ABF3B1-8D0D-4ADB-B5C8-98FA2720C351}" type="slidenum">
               <a:rPr lang="pl-PL" smtClean="0"/>
+              <a:pPr/>
               <a:t>‹#›</a:t>
             </a:fld>
             <a:endParaRPr lang="pl-PL"/>
@@ -2772,6 +2792,7 @@
           <a:p>
             <a:fld id="{7C460A5F-A753-4297-9A13-1AA0AD76B299}" type="datetimeFigureOut">
               <a:rPr lang="pl-PL" smtClean="0"/>
+              <a:pPr/>
               <a:t>2018-11-28</a:t>
             </a:fld>
             <a:endParaRPr lang="pl-PL"/>
@@ -2814,6 +2835,7 @@
           <a:p>
             <a:fld id="{F3ABF3B1-8D0D-4ADB-B5C8-98FA2720C351}" type="slidenum">
               <a:rPr lang="pl-PL" smtClean="0"/>
+              <a:pPr/>
               <a:t>‹#›</a:t>
             </a:fld>
             <a:endParaRPr lang="pl-PL"/>
@@ -3002,6 +3024,7 @@
           <a:p>
             <a:fld id="{7C460A5F-A753-4297-9A13-1AA0AD76B299}" type="datetimeFigureOut">
               <a:rPr lang="pl-PL" smtClean="0"/>
+              <a:pPr/>
               <a:t>2018-11-28</a:t>
             </a:fld>
             <a:endParaRPr lang="pl-PL"/>
@@ -3076,6 +3099,7 @@
           <a:p>
             <a:fld id="{F3ABF3B1-8D0D-4ADB-B5C8-98FA2720C351}" type="slidenum">
               <a:rPr lang="pl-PL" smtClean="0"/>
+              <a:pPr/>
               <a:t>‹#›</a:t>
             </a:fld>
             <a:endParaRPr lang="pl-PL"/>
@@ -3638,7 +3662,6 @@
               <a:rPr lang="pl-PL" dirty="0" smtClean="0"/>
               <a:t>Algorytm w asemblerze x64</a:t>
             </a:r>
-            <a:endParaRPr lang="pl-PL" dirty="0" smtClean="0"/>
           </a:p>
           <a:p>
             <a:r>
@@ -3657,7 +3680,6 @@
               <a:rPr lang="pl-PL" dirty="0" smtClean="0"/>
               <a:t>Wykorzystanie rozkazów typu SIMD w części asemblerowej</a:t>
             </a:r>
-            <a:endParaRPr lang="pl-PL" dirty="0" smtClean="0"/>
           </a:p>
         </p:txBody>
       </p:sp>
@@ -4131,29 +4153,493 @@
               <a:t>Przykład </a:t>
             </a:r>
             <a:r>
-              <a:rPr lang="pl-PL" smtClean="0"/>
-              <a:t>działania algorytmu</a:t>
-            </a:r>
-            <a:endParaRPr lang="pl-PL"/>
-          </a:p>
-        </p:txBody>
-      </p:sp>
-      <p:sp>
-        <p:nvSpPr>
-          <p:cNvPr id="3" name="Symbol zastępczy zawartości 2"/>
-          <p:cNvSpPr>
-            <a:spLocks noGrp="1"/>
-          </p:cNvSpPr>
-          <p:nvPr>
-            <p:ph sz="quarter" idx="13"/>
-          </p:nvPr>
-        </p:nvSpPr>
-        <p:spPr/>
-        <p:txBody>
-          <a:bodyPr/>
-          <a:lstStyle/>
-          <a:p>
-            <a:endParaRPr lang="pl-PL"/>
+              <a:rPr lang="pl-PL" dirty="0" smtClean="0"/>
+              <a:t>działania  algorytmu</a:t>
+            </a:r>
+            <a:endParaRPr lang="pl-PL" dirty="0"/>
+          </a:p>
+        </p:txBody>
+      </p:sp>
+      <p:pic>
+        <p:nvPicPr>
+          <p:cNvPr id="4" name="Obraz 3" descr="love.bmp"/>
+          <p:cNvPicPr>
+            <a:picLocks noChangeAspect="1"/>
+          </p:cNvPicPr>
+          <p:nvPr/>
+        </p:nvPicPr>
+        <p:blipFill>
+          <a:blip r:embed="rId2"/>
+          <a:stretch>
+            <a:fillRect/>
+          </a:stretch>
+        </p:blipFill>
+        <p:spPr>
+          <a:xfrm>
+            <a:off x="1500166" y="1643050"/>
+            <a:ext cx="1844361" cy="1571636"/>
+          </a:xfrm>
+          <a:prstGeom prst="rect">
+            <a:avLst/>
+          </a:prstGeom>
+        </p:spPr>
+      </p:pic>
+      <p:pic>
+        <p:nvPicPr>
+          <p:cNvPr id="5" name="Obraz 4" descr="love_128_1.bmp"/>
+          <p:cNvPicPr>
+            <a:picLocks noChangeAspect="1"/>
+          </p:cNvPicPr>
+          <p:nvPr/>
+        </p:nvPicPr>
+        <p:blipFill>
+          <a:blip r:embed="rId3"/>
+          <a:stretch>
+            <a:fillRect/>
+          </a:stretch>
+        </p:blipFill>
+        <p:spPr>
+          <a:xfrm>
+            <a:off x="5715008" y="1643050"/>
+            <a:ext cx="1857388" cy="1582737"/>
+          </a:xfrm>
+          <a:prstGeom prst="rect">
+            <a:avLst/>
+          </a:prstGeom>
+        </p:spPr>
+      </p:pic>
+      <p:pic>
+        <p:nvPicPr>
+          <p:cNvPr id="6" name="Obraz 5" descr="love_neg.bmp"/>
+          <p:cNvPicPr>
+            <a:picLocks noChangeAspect="1"/>
+          </p:cNvPicPr>
+          <p:nvPr/>
+        </p:nvPicPr>
+        <p:blipFill>
+          <a:blip r:embed="rId4"/>
+          <a:stretch>
+            <a:fillRect/>
+          </a:stretch>
+        </p:blipFill>
+        <p:spPr>
+          <a:xfrm>
+            <a:off x="1500166" y="4071942"/>
+            <a:ext cx="1857387" cy="1582736"/>
+          </a:xfrm>
+          <a:prstGeom prst="rect">
+            <a:avLst/>
+          </a:prstGeom>
+        </p:spPr>
+      </p:pic>
+      <p:pic>
+        <p:nvPicPr>
+          <p:cNvPr id="7" name="Obraz 6" descr="love_128_1.bmp"/>
+          <p:cNvPicPr>
+            <a:picLocks noChangeAspect="1"/>
+          </p:cNvPicPr>
+          <p:nvPr/>
+        </p:nvPicPr>
+        <p:blipFill>
+          <a:blip r:embed="rId3"/>
+          <a:stretch>
+            <a:fillRect/>
+          </a:stretch>
+        </p:blipFill>
+        <p:spPr>
+          <a:xfrm>
+            <a:off x="5715008" y="4060841"/>
+            <a:ext cx="1857388" cy="1582737"/>
+          </a:xfrm>
+          <a:prstGeom prst="rect">
+            <a:avLst/>
+          </a:prstGeom>
+        </p:spPr>
+      </p:pic>
+      <p:cxnSp>
+        <p:nvCxnSpPr>
+          <p:cNvPr id="9" name="Łącznik prosty ze strzałką 8"/>
+          <p:cNvCxnSpPr>
+            <a:stCxn id="4" idx="2"/>
+            <a:endCxn id="6" idx="0"/>
+          </p:cNvCxnSpPr>
+          <p:nvPr/>
+        </p:nvCxnSpPr>
+        <p:spPr>
+          <a:xfrm rot="16200000" flipH="1">
+            <a:off x="1996975" y="3640057"/>
+            <a:ext cx="857256" cy="6513"/>
+          </a:xfrm>
+          <a:prstGeom prst="straightConnector1">
+            <a:avLst/>
+          </a:prstGeom>
+          <a:ln w="57150">
+            <a:solidFill>
+              <a:schemeClr val="tx1"/>
+            </a:solidFill>
+            <a:tailEnd type="arrow"/>
+          </a:ln>
+        </p:spPr>
+        <p:style>
+          <a:lnRef idx="1">
+            <a:schemeClr val="accent6"/>
+          </a:lnRef>
+          <a:fillRef idx="0">
+            <a:schemeClr val="accent6"/>
+          </a:fillRef>
+          <a:effectRef idx="0">
+            <a:schemeClr val="accent6"/>
+          </a:effectRef>
+          <a:fontRef idx="minor">
+            <a:schemeClr val="tx1"/>
+          </a:fontRef>
+        </p:style>
+      </p:cxnSp>
+      <p:sp>
+        <p:nvSpPr>
+          <p:cNvPr id="11" name="pole tekstowe 10"/>
+          <p:cNvSpPr txBox="1"/>
+          <p:nvPr/>
+        </p:nvSpPr>
+        <p:spPr>
+          <a:xfrm>
+            <a:off x="2583676" y="3345420"/>
+            <a:ext cx="2345514" cy="369332"/>
+          </a:xfrm>
+          <a:prstGeom prst="rect">
+            <a:avLst/>
+          </a:prstGeom>
+          <a:noFill/>
+        </p:spPr>
+        <p:txBody>
+          <a:bodyPr wrap="none" rtlCol="0">
+            <a:spAutoFit/>
+          </a:bodyPr>
+          <a:lstStyle/>
+          <a:p>
+            <a:r>
+              <a:rPr lang="pl-PL" i="1" dirty="0" smtClean="0">
+                <a:latin typeface="Courier New" pitchFamily="49" charset="0"/>
+                <a:cs typeface="Courier New" pitchFamily="49" charset="0"/>
+              </a:rPr>
+              <a:t>i</a:t>
+            </a:r>
+            <a:r>
+              <a:rPr lang="pl-PL" i="1" baseline="-25000" dirty="0" smtClean="0">
+                <a:latin typeface="Courier New" pitchFamily="49" charset="0"/>
+                <a:cs typeface="Courier New" pitchFamily="49" charset="0"/>
+              </a:rPr>
+              <a:t>p</a:t>
+            </a:r>
+            <a:r>
+              <a:rPr lang="pl-PL" i="1" dirty="0" smtClean="0">
+                <a:latin typeface="Courier New" pitchFamily="49" charset="0"/>
+                <a:cs typeface="Courier New" pitchFamily="49" charset="0"/>
+              </a:rPr>
+              <a:t> = </a:t>
+            </a:r>
+            <a:r>
+              <a:rPr lang="pl-PL" i="1" dirty="0" smtClean="0">
+                <a:latin typeface="Courier New" pitchFamily="49" charset="0"/>
+                <a:cs typeface="Courier New" pitchFamily="49" charset="0"/>
+              </a:rPr>
+              <a:t>0 (negatyw)</a:t>
+            </a:r>
+            <a:endParaRPr lang="pl-PL" dirty="0"/>
+          </a:p>
+        </p:txBody>
+      </p:sp>
+      <p:cxnSp>
+        <p:nvCxnSpPr>
+          <p:cNvPr id="12" name="Łącznik prosty ze strzałką 11"/>
+          <p:cNvCxnSpPr>
+            <a:stCxn id="4" idx="3"/>
+            <a:endCxn id="5" idx="1"/>
+          </p:cNvCxnSpPr>
+          <p:nvPr/>
+        </p:nvCxnSpPr>
+        <p:spPr>
+          <a:xfrm>
+            <a:off x="3344527" y="2428868"/>
+            <a:ext cx="2370481" cy="5551"/>
+          </a:xfrm>
+          <a:prstGeom prst="straightConnector1">
+            <a:avLst/>
+          </a:prstGeom>
+          <a:ln w="57150">
+            <a:solidFill>
+              <a:schemeClr val="tx1"/>
+            </a:solidFill>
+            <a:tailEnd type="arrow"/>
+          </a:ln>
+        </p:spPr>
+        <p:style>
+          <a:lnRef idx="1">
+            <a:schemeClr val="accent6"/>
+          </a:lnRef>
+          <a:fillRef idx="0">
+            <a:schemeClr val="accent6"/>
+          </a:fillRef>
+          <a:effectRef idx="0">
+            <a:schemeClr val="accent6"/>
+          </a:effectRef>
+          <a:fontRef idx="minor">
+            <a:schemeClr val="tx1"/>
+          </a:fontRef>
+        </p:style>
+      </p:cxnSp>
+      <p:cxnSp>
+        <p:nvCxnSpPr>
+          <p:cNvPr id="17" name="Łącznik prosty ze strzałką 16"/>
+          <p:cNvCxnSpPr>
+            <a:stCxn id="6" idx="3"/>
+            <a:endCxn id="7" idx="1"/>
+          </p:cNvCxnSpPr>
+          <p:nvPr/>
+        </p:nvCxnSpPr>
+        <p:spPr>
+          <a:xfrm flipV="1">
+            <a:off x="3357553" y="4852210"/>
+            <a:ext cx="2357455" cy="11100"/>
+          </a:xfrm>
+          <a:prstGeom prst="straightConnector1">
+            <a:avLst/>
+          </a:prstGeom>
+          <a:ln w="57150">
+            <a:solidFill>
+              <a:schemeClr val="tx1"/>
+            </a:solidFill>
+            <a:tailEnd type="arrow"/>
+          </a:ln>
+        </p:spPr>
+        <p:style>
+          <a:lnRef idx="1">
+            <a:schemeClr val="accent6"/>
+          </a:lnRef>
+          <a:fillRef idx="0">
+            <a:schemeClr val="accent6"/>
+          </a:fillRef>
+          <a:effectRef idx="0">
+            <a:schemeClr val="accent6"/>
+          </a:effectRef>
+          <a:fontRef idx="minor">
+            <a:schemeClr val="tx1"/>
+          </a:fontRef>
+        </p:style>
+      </p:cxnSp>
+      <p:sp>
+        <p:nvSpPr>
+          <p:cNvPr id="20" name="pole tekstowe 19"/>
+          <p:cNvSpPr txBox="1"/>
+          <p:nvPr/>
+        </p:nvSpPr>
+        <p:spPr>
+          <a:xfrm>
+            <a:off x="3786182" y="2000240"/>
+            <a:ext cx="1242648" cy="369332"/>
+          </a:xfrm>
+          <a:prstGeom prst="rect">
+            <a:avLst/>
+          </a:prstGeom>
+          <a:noFill/>
+        </p:spPr>
+        <p:txBody>
+          <a:bodyPr wrap="none" rtlCol="0">
+            <a:spAutoFit/>
+          </a:bodyPr>
+          <a:lstStyle/>
+          <a:p>
+            <a:r>
+              <a:rPr lang="pl-PL" i="1" dirty="0" smtClean="0">
+                <a:latin typeface="Courier New" pitchFamily="49" charset="0"/>
+                <a:cs typeface="Courier New" pitchFamily="49" charset="0"/>
+              </a:rPr>
+              <a:t>i</a:t>
+            </a:r>
+            <a:r>
+              <a:rPr lang="pl-PL" i="1" baseline="-25000" dirty="0" smtClean="0">
+                <a:latin typeface="Courier New" pitchFamily="49" charset="0"/>
+                <a:cs typeface="Courier New" pitchFamily="49" charset="0"/>
+              </a:rPr>
+              <a:t>p</a:t>
+            </a:r>
+            <a:r>
+              <a:rPr lang="pl-PL" i="1" dirty="0" smtClean="0">
+                <a:latin typeface="Courier New" pitchFamily="49" charset="0"/>
+                <a:cs typeface="Courier New" pitchFamily="49" charset="0"/>
+              </a:rPr>
+              <a:t> = </a:t>
+            </a:r>
+            <a:r>
+              <a:rPr lang="pl-PL" i="1" dirty="0" smtClean="0">
+                <a:latin typeface="Courier New" pitchFamily="49" charset="0"/>
+                <a:cs typeface="Courier New" pitchFamily="49" charset="0"/>
+              </a:rPr>
+              <a:t>128</a:t>
+            </a:r>
+            <a:endParaRPr lang="pl-PL" dirty="0"/>
+          </a:p>
+        </p:txBody>
+      </p:sp>
+      <p:sp>
+        <p:nvSpPr>
+          <p:cNvPr id="21" name="pole tekstowe 20"/>
+          <p:cNvSpPr txBox="1"/>
+          <p:nvPr/>
+        </p:nvSpPr>
+        <p:spPr>
+          <a:xfrm>
+            <a:off x="3776310" y="2559602"/>
+            <a:ext cx="1152880" cy="369332"/>
+          </a:xfrm>
+          <a:prstGeom prst="rect">
+            <a:avLst/>
+          </a:prstGeom>
+          <a:noFill/>
+        </p:spPr>
+        <p:txBody>
+          <a:bodyPr wrap="none" rtlCol="0">
+            <a:spAutoFit/>
+          </a:bodyPr>
+          <a:lstStyle/>
+          <a:p>
+            <a:r>
+              <a:rPr lang="pl-PL" i="1" dirty="0" smtClean="0">
+                <a:latin typeface="Courier New" pitchFamily="49" charset="0"/>
+                <a:cs typeface="Courier New" pitchFamily="49" charset="0"/>
+              </a:rPr>
+              <a:t>(</a:t>
+            </a:r>
+            <a:r>
+              <a:rPr lang="pl-PL" i="1" dirty="0" err="1" smtClean="0">
+                <a:latin typeface="Courier New" pitchFamily="49" charset="0"/>
+                <a:cs typeface="Courier New" pitchFamily="49" charset="0"/>
+              </a:rPr>
+              <a:t>i</a:t>
+            </a:r>
+            <a:r>
+              <a:rPr lang="pl-PL" i="1" baseline="-25000" dirty="0" err="1" smtClean="0">
+                <a:latin typeface="Courier New" pitchFamily="49" charset="0"/>
+                <a:cs typeface="Courier New" pitchFamily="49" charset="0"/>
+              </a:rPr>
+              <a:t>max</a:t>
+            </a:r>
+            <a:r>
+              <a:rPr lang="pl-PL" i="1" dirty="0" smtClean="0">
+                <a:latin typeface="Courier New" pitchFamily="49" charset="0"/>
+                <a:cs typeface="Courier New" pitchFamily="49" charset="0"/>
+              </a:rPr>
+              <a:t>/2)</a:t>
+            </a:r>
+            <a:endParaRPr lang="pl-PL" dirty="0"/>
+          </a:p>
+        </p:txBody>
+      </p:sp>
+      <p:sp>
+        <p:nvSpPr>
+          <p:cNvPr id="22" name="pole tekstowe 21"/>
+          <p:cNvSpPr txBox="1"/>
+          <p:nvPr/>
+        </p:nvSpPr>
+        <p:spPr>
+          <a:xfrm>
+            <a:off x="3857620" y="4429132"/>
+            <a:ext cx="1242648" cy="369332"/>
+          </a:xfrm>
+          <a:prstGeom prst="rect">
+            <a:avLst/>
+          </a:prstGeom>
+          <a:noFill/>
+        </p:spPr>
+        <p:txBody>
+          <a:bodyPr wrap="none" rtlCol="0">
+            <a:spAutoFit/>
+          </a:bodyPr>
+          <a:lstStyle/>
+          <a:p>
+            <a:r>
+              <a:rPr lang="pl-PL" i="1" dirty="0" smtClean="0">
+                <a:latin typeface="Courier New" pitchFamily="49" charset="0"/>
+                <a:cs typeface="Courier New" pitchFamily="49" charset="0"/>
+              </a:rPr>
+              <a:t>i</a:t>
+            </a:r>
+            <a:r>
+              <a:rPr lang="pl-PL" i="1" baseline="-25000" dirty="0" smtClean="0">
+                <a:latin typeface="Courier New" pitchFamily="49" charset="0"/>
+                <a:cs typeface="Courier New" pitchFamily="49" charset="0"/>
+              </a:rPr>
+              <a:t>p</a:t>
+            </a:r>
+            <a:r>
+              <a:rPr lang="pl-PL" i="1" dirty="0" smtClean="0">
+                <a:latin typeface="Courier New" pitchFamily="49" charset="0"/>
+                <a:cs typeface="Courier New" pitchFamily="49" charset="0"/>
+              </a:rPr>
+              <a:t> = </a:t>
+            </a:r>
+            <a:r>
+              <a:rPr lang="pl-PL" i="1" dirty="0" smtClean="0">
+                <a:latin typeface="Courier New" pitchFamily="49" charset="0"/>
+                <a:cs typeface="Courier New" pitchFamily="49" charset="0"/>
+              </a:rPr>
+              <a:t>128</a:t>
+            </a:r>
+            <a:endParaRPr lang="pl-PL" dirty="0"/>
+          </a:p>
+        </p:txBody>
+      </p:sp>
+      <p:sp>
+        <p:nvSpPr>
+          <p:cNvPr id="23" name="pole tekstowe 22"/>
+          <p:cNvSpPr txBox="1"/>
+          <p:nvPr/>
+        </p:nvSpPr>
+        <p:spPr>
+          <a:xfrm>
+            <a:off x="3857620" y="4929198"/>
+            <a:ext cx="1152880" cy="369332"/>
+          </a:xfrm>
+          <a:prstGeom prst="rect">
+            <a:avLst/>
+          </a:prstGeom>
+          <a:noFill/>
+        </p:spPr>
+        <p:txBody>
+          <a:bodyPr wrap="none" rtlCol="0">
+            <a:spAutoFit/>
+          </a:bodyPr>
+          <a:lstStyle/>
+          <a:p>
+            <a:r>
+              <a:rPr lang="pl-PL" i="1" dirty="0" smtClean="0">
+                <a:latin typeface="Courier New" pitchFamily="49" charset="0"/>
+                <a:cs typeface="Courier New" pitchFamily="49" charset="0"/>
+              </a:rPr>
+              <a:t>(</a:t>
+            </a:r>
+            <a:r>
+              <a:rPr lang="pl-PL" i="1" dirty="0" err="1" smtClean="0">
+                <a:latin typeface="Courier New" pitchFamily="49" charset="0"/>
+                <a:cs typeface="Courier New" pitchFamily="49" charset="0"/>
+              </a:rPr>
+              <a:t>i</a:t>
+            </a:r>
+            <a:r>
+              <a:rPr lang="pl-PL" i="1" baseline="-25000" dirty="0" err="1" smtClean="0">
+                <a:latin typeface="Courier New" pitchFamily="49" charset="0"/>
+                <a:cs typeface="Courier New" pitchFamily="49" charset="0"/>
+              </a:rPr>
+              <a:t>max</a:t>
+            </a:r>
+            <a:r>
+              <a:rPr lang="pl-PL" i="1" dirty="0" smtClean="0">
+                <a:latin typeface="Courier New" pitchFamily="49" charset="0"/>
+                <a:cs typeface="Courier New" pitchFamily="49" charset="0"/>
+              </a:rPr>
+              <a:t>/2)</a:t>
+            </a:r>
+            <a:endParaRPr lang="pl-PL" dirty="0"/>
           </a:p>
         </p:txBody>
       </p:sp>

--- a/Algorytm solaryzacji obrazu.pptx
+++ b/Algorytm solaryzacji obrazu.pptx
@@ -4150,11 +4150,7 @@
           <a:p>
             <a:r>
               <a:rPr lang="pl-PL" dirty="0" smtClean="0"/>
-              <a:t>Przykład </a:t>
-            </a:r>
-            <a:r>
-              <a:rPr lang="pl-PL" dirty="0" smtClean="0"/>
-              <a:t>działania  algorytmu</a:t>
+              <a:t>Przykład działania  algorytmu</a:t>
             </a:r>
             <a:endParaRPr lang="pl-PL" dirty="0"/>
           </a:p>
@@ -4336,14 +4332,7 @@
                 <a:latin typeface="Courier New" pitchFamily="49" charset="0"/>
                 <a:cs typeface="Courier New" pitchFamily="49" charset="0"/>
               </a:rPr>
-              <a:t> = </a:t>
-            </a:r>
-            <a:r>
-              <a:rPr lang="pl-PL" i="1" dirty="0" smtClean="0">
-                <a:latin typeface="Courier New" pitchFamily="49" charset="0"/>
-                <a:cs typeface="Courier New" pitchFamily="49" charset="0"/>
-              </a:rPr>
-              <a:t>0 (negatyw)</a:t>
+              <a:t> = 0 (negatyw)</a:t>
             </a:r>
             <a:endParaRPr lang="pl-PL" dirty="0"/>
           </a:p>
@@ -4468,14 +4457,7 @@
                 <a:latin typeface="Courier New" pitchFamily="49" charset="0"/>
                 <a:cs typeface="Courier New" pitchFamily="49" charset="0"/>
               </a:rPr>
-              <a:t> = </a:t>
-            </a:r>
-            <a:r>
-              <a:rPr lang="pl-PL" i="1" dirty="0" smtClean="0">
-                <a:latin typeface="Courier New" pitchFamily="49" charset="0"/>
-                <a:cs typeface="Courier New" pitchFamily="49" charset="0"/>
-              </a:rPr>
-              <a:t>128</a:t>
+              <a:t> = 128</a:t>
             </a:r>
             <a:endParaRPr lang="pl-PL" dirty="0"/>
           </a:p>
@@ -4576,14 +4558,7 @@
                 <a:latin typeface="Courier New" pitchFamily="49" charset="0"/>
                 <a:cs typeface="Courier New" pitchFamily="49" charset="0"/>
               </a:rPr>
-              <a:t> = </a:t>
-            </a:r>
-            <a:r>
-              <a:rPr lang="pl-PL" i="1" dirty="0" smtClean="0">
-                <a:latin typeface="Courier New" pitchFamily="49" charset="0"/>
-                <a:cs typeface="Courier New" pitchFamily="49" charset="0"/>
-              </a:rPr>
-              <a:t>128</a:t>
+              <a:t> = 128</a:t>
             </a:r>
             <a:endParaRPr lang="pl-PL" dirty="0"/>
           </a:p>

--- a/Algorytm solaryzacji obrazu.pptx
+++ b/Algorytm solaryzacji obrazu.pptx
@@ -10,6 +10,14 @@
     <p:sldId id="258" r:id="rId4"/>
     <p:sldId id="259" r:id="rId5"/>
     <p:sldId id="260" r:id="rId6"/>
+    <p:sldId id="261" r:id="rId7"/>
+    <p:sldId id="262" r:id="rId8"/>
+    <p:sldId id="263" r:id="rId9"/>
+    <p:sldId id="264" r:id="rId10"/>
+    <p:sldId id="265" r:id="rId11"/>
+    <p:sldId id="266" r:id="rId12"/>
+    <p:sldId id="267" r:id="rId13"/>
+    <p:sldId id="268" r:id="rId14"/>
   </p:sldIdLst>
   <p:sldSz cx="9144000" cy="6858000" type="screen4x3"/>
   <p:notesSz cx="6858000" cy="9144000"/>
@@ -3583,6 +3591,355 @@
 </p:sld>
 </file>
 
+<file path=ppt/slides/slide10.xml><?xml version="1.0" encoding="utf-8"?>
+<p:sld xmlns:a="http://schemas.openxmlformats.org/drawingml/2006/main" xmlns:r="http://schemas.openxmlformats.org/officeDocument/2006/relationships" xmlns:p="http://schemas.openxmlformats.org/presentationml/2006/main">
+  <p:cSld>
+    <p:spTree>
+      <p:nvGrpSpPr>
+        <p:cNvPr id="1" name=""/>
+        <p:cNvGrpSpPr/>
+        <p:nvPr/>
+      </p:nvGrpSpPr>
+      <p:grpSpPr>
+        <a:xfrm>
+          <a:off x="0" y="0"/>
+          <a:ext cx="0" cy="0"/>
+          <a:chOff x="0" y="0"/>
+          <a:chExt cx="0" cy="0"/>
+        </a:xfrm>
+      </p:grpSpPr>
+      <p:sp>
+        <p:nvSpPr>
+          <p:cNvPr id="2" name="Tytuł 1"/>
+          <p:cNvSpPr>
+            <a:spLocks noGrp="1"/>
+          </p:cNvSpPr>
+          <p:nvPr>
+            <p:ph type="title"/>
+          </p:nvPr>
+        </p:nvSpPr>
+        <p:spPr/>
+        <p:txBody>
+          <a:bodyPr/>
+          <a:lstStyle/>
+          <a:p>
+            <a:r>
+              <a:rPr lang="pl-PL" dirty="0" smtClean="0"/>
+              <a:t>Algorytm w </a:t>
+            </a:r>
+            <a:r>
+              <a:rPr lang="pl-PL" dirty="0" err="1" smtClean="0"/>
+              <a:t>asm</a:t>
+            </a:r>
+            <a:endParaRPr lang="pl-PL" dirty="0"/>
+          </a:p>
+        </p:txBody>
+      </p:sp>
+      <p:pic>
+        <p:nvPicPr>
+          <p:cNvPr id="4" name="Obraz 3" descr="alg1.PNG"/>
+          <p:cNvPicPr>
+            <a:picLocks noChangeAspect="1"/>
+          </p:cNvPicPr>
+          <p:nvPr/>
+        </p:nvPicPr>
+        <p:blipFill>
+          <a:blip r:embed="rId2"/>
+          <a:stretch>
+            <a:fillRect/>
+          </a:stretch>
+        </p:blipFill>
+        <p:spPr>
+          <a:xfrm>
+            <a:off x="506576" y="1475475"/>
+            <a:ext cx="7637683" cy="2049661"/>
+          </a:xfrm>
+          <a:prstGeom prst="rect">
+            <a:avLst/>
+          </a:prstGeom>
+        </p:spPr>
+      </p:pic>
+      <p:pic>
+        <p:nvPicPr>
+          <p:cNvPr id="5" name="Obraz 4" descr="reg1.PNG"/>
+          <p:cNvPicPr>
+            <a:picLocks noChangeAspect="1"/>
+          </p:cNvPicPr>
+          <p:nvPr/>
+        </p:nvPicPr>
+        <p:blipFill>
+          <a:blip r:embed="rId3"/>
+          <a:stretch>
+            <a:fillRect/>
+          </a:stretch>
+        </p:blipFill>
+        <p:spPr>
+          <a:xfrm>
+            <a:off x="2395515" y="3722070"/>
+            <a:ext cx="4124925" cy="1823946"/>
+          </a:xfrm>
+          <a:prstGeom prst="rect">
+            <a:avLst/>
+          </a:prstGeom>
+        </p:spPr>
+      </p:pic>
+    </p:spTree>
+  </p:cSld>
+  <p:clrMapOvr>
+    <a:masterClrMapping/>
+  </p:clrMapOvr>
+</p:sld>
+</file>
+
+<file path=ppt/slides/slide11.xml><?xml version="1.0" encoding="utf-8"?>
+<p:sld xmlns:a="http://schemas.openxmlformats.org/drawingml/2006/main" xmlns:r="http://schemas.openxmlformats.org/officeDocument/2006/relationships" xmlns:p="http://schemas.openxmlformats.org/presentationml/2006/main">
+  <p:cSld>
+    <p:spTree>
+      <p:nvGrpSpPr>
+        <p:cNvPr id="1" name=""/>
+        <p:cNvGrpSpPr/>
+        <p:nvPr/>
+      </p:nvGrpSpPr>
+      <p:grpSpPr>
+        <a:xfrm>
+          <a:off x="0" y="0"/>
+          <a:ext cx="0" cy="0"/>
+          <a:chOff x="0" y="0"/>
+          <a:chExt cx="0" cy="0"/>
+        </a:xfrm>
+      </p:grpSpPr>
+      <p:sp>
+        <p:nvSpPr>
+          <p:cNvPr id="2" name="Tytuł 1"/>
+          <p:cNvSpPr>
+            <a:spLocks noGrp="1"/>
+          </p:cNvSpPr>
+          <p:nvPr>
+            <p:ph type="title"/>
+          </p:nvPr>
+        </p:nvSpPr>
+        <p:spPr/>
+        <p:txBody>
+          <a:bodyPr/>
+          <a:lstStyle/>
+          <a:p>
+            <a:r>
+              <a:rPr lang="pl-PL" dirty="0" smtClean="0"/>
+              <a:t>Algorytm w </a:t>
+            </a:r>
+            <a:r>
+              <a:rPr lang="pl-PL" dirty="0" err="1" smtClean="0"/>
+              <a:t>asm</a:t>
+            </a:r>
+            <a:endParaRPr lang="pl-PL" dirty="0"/>
+          </a:p>
+        </p:txBody>
+      </p:sp>
+      <p:pic>
+        <p:nvPicPr>
+          <p:cNvPr id="4" name="Obraz 3" descr="alg1.PNG"/>
+          <p:cNvPicPr>
+            <a:picLocks noChangeAspect="1"/>
+          </p:cNvPicPr>
+          <p:nvPr/>
+        </p:nvPicPr>
+        <p:blipFill>
+          <a:blip r:embed="rId2"/>
+          <a:stretch>
+            <a:fillRect/>
+          </a:stretch>
+        </p:blipFill>
+        <p:spPr>
+          <a:xfrm>
+            <a:off x="506576" y="1480167"/>
+            <a:ext cx="7637683" cy="2040276"/>
+          </a:xfrm>
+          <a:prstGeom prst="rect">
+            <a:avLst/>
+          </a:prstGeom>
+        </p:spPr>
+      </p:pic>
+      <p:pic>
+        <p:nvPicPr>
+          <p:cNvPr id="5" name="Obraz 4" descr="reg1.PNG"/>
+          <p:cNvPicPr>
+            <a:picLocks noChangeAspect="1"/>
+          </p:cNvPicPr>
+          <p:nvPr/>
+        </p:nvPicPr>
+        <p:blipFill>
+          <a:blip r:embed="rId3"/>
+          <a:srcRect b="2484"/>
+          <a:stretch>
+            <a:fillRect/>
+          </a:stretch>
+        </p:blipFill>
+        <p:spPr>
+          <a:xfrm>
+            <a:off x="2411825" y="3722070"/>
+            <a:ext cx="4092305" cy="1850070"/>
+          </a:xfrm>
+          <a:prstGeom prst="rect">
+            <a:avLst/>
+          </a:prstGeom>
+        </p:spPr>
+      </p:pic>
+    </p:spTree>
+  </p:cSld>
+  <p:clrMapOvr>
+    <a:masterClrMapping/>
+  </p:clrMapOvr>
+</p:sld>
+</file>
+
+<file path=ppt/slides/slide12.xml><?xml version="1.0" encoding="utf-8"?>
+<p:sld xmlns:a="http://schemas.openxmlformats.org/drawingml/2006/main" xmlns:r="http://schemas.openxmlformats.org/officeDocument/2006/relationships" xmlns:p="http://schemas.openxmlformats.org/presentationml/2006/main">
+  <p:cSld>
+    <p:spTree>
+      <p:nvGrpSpPr>
+        <p:cNvPr id="1" name=""/>
+        <p:cNvGrpSpPr/>
+        <p:nvPr/>
+      </p:nvGrpSpPr>
+      <p:grpSpPr>
+        <a:xfrm>
+          <a:off x="0" y="0"/>
+          <a:ext cx="0" cy="0"/>
+          <a:chOff x="0" y="0"/>
+          <a:chExt cx="0" cy="0"/>
+        </a:xfrm>
+      </p:grpSpPr>
+      <p:sp>
+        <p:nvSpPr>
+          <p:cNvPr id="2" name="Tytuł 1"/>
+          <p:cNvSpPr>
+            <a:spLocks noGrp="1"/>
+          </p:cNvSpPr>
+          <p:nvPr>
+            <p:ph type="title"/>
+          </p:nvPr>
+        </p:nvSpPr>
+        <p:spPr/>
+        <p:txBody>
+          <a:bodyPr/>
+          <a:lstStyle/>
+          <a:p>
+            <a:r>
+              <a:rPr lang="pl-PL" dirty="0" smtClean="0"/>
+              <a:t>Algorytm w </a:t>
+            </a:r>
+            <a:r>
+              <a:rPr lang="pl-PL" dirty="0" err="1" smtClean="0"/>
+              <a:t>asm</a:t>
+            </a:r>
+            <a:endParaRPr lang="pl-PL" dirty="0"/>
+          </a:p>
+        </p:txBody>
+      </p:sp>
+      <p:pic>
+        <p:nvPicPr>
+          <p:cNvPr id="4" name="Obraz 3" descr="alg1.PNG"/>
+          <p:cNvPicPr>
+            <a:picLocks noChangeAspect="1"/>
+          </p:cNvPicPr>
+          <p:nvPr/>
+        </p:nvPicPr>
+        <p:blipFill>
+          <a:blip r:embed="rId2"/>
+          <a:stretch>
+            <a:fillRect/>
+          </a:stretch>
+        </p:blipFill>
+        <p:spPr>
+          <a:xfrm>
+            <a:off x="506576" y="1481232"/>
+            <a:ext cx="7637683" cy="2038146"/>
+          </a:xfrm>
+          <a:prstGeom prst="rect">
+            <a:avLst/>
+          </a:prstGeom>
+        </p:spPr>
+      </p:pic>
+      <p:pic>
+        <p:nvPicPr>
+          <p:cNvPr id="5" name="Obraz 4" descr="reg1.PNG"/>
+          <p:cNvPicPr>
+            <a:picLocks noChangeAspect="1"/>
+          </p:cNvPicPr>
+          <p:nvPr/>
+        </p:nvPicPr>
+        <p:blipFill>
+          <a:blip r:embed="rId3"/>
+          <a:stretch>
+            <a:fillRect/>
+          </a:stretch>
+        </p:blipFill>
+        <p:spPr>
+          <a:xfrm>
+            <a:off x="2411825" y="3741809"/>
+            <a:ext cx="4092305" cy="1810591"/>
+          </a:xfrm>
+          <a:prstGeom prst="rect">
+            <a:avLst/>
+          </a:prstGeom>
+        </p:spPr>
+      </p:pic>
+    </p:spTree>
+  </p:cSld>
+  <p:clrMapOvr>
+    <a:masterClrMapping/>
+  </p:clrMapOvr>
+</p:sld>
+</file>
+
+<file path=ppt/slides/slide13.xml><?xml version="1.0" encoding="utf-8"?>
+<p:sld xmlns:a="http://schemas.openxmlformats.org/drawingml/2006/main" xmlns:r="http://schemas.openxmlformats.org/officeDocument/2006/relationships" xmlns:p="http://schemas.openxmlformats.org/presentationml/2006/main">
+  <p:cSld>
+    <p:spTree>
+      <p:nvGrpSpPr>
+        <p:cNvPr id="1" name=""/>
+        <p:cNvGrpSpPr/>
+        <p:nvPr/>
+      </p:nvGrpSpPr>
+      <p:grpSpPr>
+        <a:xfrm>
+          <a:off x="0" y="0"/>
+          <a:ext cx="0" cy="0"/>
+          <a:chOff x="0" y="0"/>
+          <a:chExt cx="0" cy="0"/>
+        </a:xfrm>
+      </p:grpSpPr>
+      <p:sp>
+        <p:nvSpPr>
+          <p:cNvPr id="3" name="Tytuł 2"/>
+          <p:cNvSpPr>
+            <a:spLocks noGrp="1"/>
+          </p:cNvSpPr>
+          <p:nvPr>
+            <p:ph type="ctrTitle"/>
+          </p:nvPr>
+        </p:nvSpPr>
+        <p:spPr/>
+        <p:txBody>
+          <a:bodyPr/>
+          <a:lstStyle/>
+          <a:p>
+            <a:r>
+              <a:rPr lang="pl-PL" dirty="0" smtClean="0"/>
+              <a:t>Dziękuję za uwagę</a:t>
+            </a:r>
+            <a:endParaRPr lang="pl-PL" dirty="0"/>
+          </a:p>
+        </p:txBody>
+      </p:sp>
+    </p:spTree>
+  </p:cSld>
+  <p:clrMapOvr>
+    <a:masterClrMapping/>
+  </p:clrMapOvr>
+</p:sld>
+</file>
+
 <file path=ppt/slides/slide2.xml><?xml version="1.0" encoding="utf-8"?>
 <p:sld xmlns:a="http://schemas.openxmlformats.org/drawingml/2006/main" xmlns:r="http://schemas.openxmlformats.org/officeDocument/2006/relationships" xmlns:p="http://schemas.openxmlformats.org/presentationml/2006/main">
   <p:cSld>
@@ -4618,6 +4975,379 @@
           </a:p>
         </p:txBody>
       </p:sp>
+    </p:spTree>
+  </p:cSld>
+  <p:clrMapOvr>
+    <a:masterClrMapping/>
+  </p:clrMapOvr>
+</p:sld>
+</file>
+
+<file path=ppt/slides/slide6.xml><?xml version="1.0" encoding="utf-8"?>
+<p:sld xmlns:a="http://schemas.openxmlformats.org/drawingml/2006/main" xmlns:r="http://schemas.openxmlformats.org/officeDocument/2006/relationships" xmlns:p="http://schemas.openxmlformats.org/presentationml/2006/main">
+  <p:cSld>
+    <p:spTree>
+      <p:nvGrpSpPr>
+        <p:cNvPr id="1" name=""/>
+        <p:cNvGrpSpPr/>
+        <p:nvPr/>
+      </p:nvGrpSpPr>
+      <p:grpSpPr>
+        <a:xfrm>
+          <a:off x="0" y="0"/>
+          <a:ext cx="0" cy="0"/>
+          <a:chOff x="0" y="0"/>
+          <a:chExt cx="0" cy="0"/>
+        </a:xfrm>
+      </p:grpSpPr>
+      <p:sp>
+        <p:nvSpPr>
+          <p:cNvPr id="2" name="Tytuł 1"/>
+          <p:cNvSpPr>
+            <a:spLocks noGrp="1"/>
+          </p:cNvSpPr>
+          <p:nvPr>
+            <p:ph type="title"/>
+          </p:nvPr>
+        </p:nvSpPr>
+        <p:spPr/>
+        <p:txBody>
+          <a:bodyPr/>
+          <a:lstStyle/>
+          <a:p>
+            <a:r>
+              <a:rPr lang="pl-PL" dirty="0" smtClean="0"/>
+              <a:t>Algorytm w c++</a:t>
+            </a:r>
+            <a:endParaRPr lang="pl-PL" dirty="0"/>
+          </a:p>
+        </p:txBody>
+      </p:sp>
+      <p:pic>
+        <p:nvPicPr>
+          <p:cNvPr id="4" name="Obraz 3" descr="alg_cpp.png"/>
+          <p:cNvPicPr>
+            <a:picLocks noChangeAspect="1"/>
+          </p:cNvPicPr>
+          <p:nvPr/>
+        </p:nvPicPr>
+        <p:blipFill>
+          <a:blip r:embed="rId2"/>
+          <a:stretch>
+            <a:fillRect/>
+          </a:stretch>
+        </p:blipFill>
+        <p:spPr>
+          <a:xfrm>
+            <a:off x="1071538" y="1785926"/>
+            <a:ext cx="7094098" cy="1576466"/>
+          </a:xfrm>
+          <a:prstGeom prst="rect">
+            <a:avLst/>
+          </a:prstGeom>
+        </p:spPr>
+      </p:pic>
+    </p:spTree>
+  </p:cSld>
+  <p:clrMapOvr>
+    <a:masterClrMapping/>
+  </p:clrMapOvr>
+</p:sld>
+</file>
+
+<file path=ppt/slides/slide7.xml><?xml version="1.0" encoding="utf-8"?>
+<p:sld xmlns:a="http://schemas.openxmlformats.org/drawingml/2006/main" xmlns:r="http://schemas.openxmlformats.org/officeDocument/2006/relationships" xmlns:p="http://schemas.openxmlformats.org/presentationml/2006/main">
+  <p:cSld>
+    <p:spTree>
+      <p:nvGrpSpPr>
+        <p:cNvPr id="1" name=""/>
+        <p:cNvGrpSpPr/>
+        <p:nvPr/>
+      </p:nvGrpSpPr>
+      <p:grpSpPr>
+        <a:xfrm>
+          <a:off x="0" y="0"/>
+          <a:ext cx="0" cy="0"/>
+          <a:chOff x="0" y="0"/>
+          <a:chExt cx="0" cy="0"/>
+        </a:xfrm>
+      </p:grpSpPr>
+      <p:sp>
+        <p:nvSpPr>
+          <p:cNvPr id="2" name="Tytuł 1"/>
+          <p:cNvSpPr>
+            <a:spLocks noGrp="1"/>
+          </p:cNvSpPr>
+          <p:nvPr>
+            <p:ph type="title"/>
+          </p:nvPr>
+        </p:nvSpPr>
+        <p:spPr/>
+        <p:txBody>
+          <a:bodyPr/>
+          <a:lstStyle/>
+          <a:p>
+            <a:r>
+              <a:rPr lang="pl-PL" dirty="0" smtClean="0"/>
+              <a:t>Algorytm w </a:t>
+            </a:r>
+            <a:r>
+              <a:rPr lang="pl-PL" dirty="0" err="1" smtClean="0"/>
+              <a:t>asm</a:t>
+            </a:r>
+            <a:endParaRPr lang="pl-PL" dirty="0"/>
+          </a:p>
+        </p:txBody>
+      </p:sp>
+      <p:pic>
+        <p:nvPicPr>
+          <p:cNvPr id="4" name="Obraz 3" descr="alg1.PNG"/>
+          <p:cNvPicPr>
+            <a:picLocks noChangeAspect="1"/>
+          </p:cNvPicPr>
+          <p:nvPr/>
+        </p:nvPicPr>
+        <p:blipFill>
+          <a:blip r:embed="rId2"/>
+          <a:srcRect b="1140"/>
+          <a:stretch>
+            <a:fillRect/>
+          </a:stretch>
+        </p:blipFill>
+        <p:spPr>
+          <a:xfrm>
+            <a:off x="439829" y="1428736"/>
+            <a:ext cx="7771177" cy="2143140"/>
+          </a:xfrm>
+          <a:prstGeom prst="rect">
+            <a:avLst/>
+          </a:prstGeom>
+        </p:spPr>
+      </p:pic>
+      <p:pic>
+        <p:nvPicPr>
+          <p:cNvPr id="5" name="Obraz 4" descr="reg1.PNG"/>
+          <p:cNvPicPr>
+            <a:picLocks noChangeAspect="1"/>
+          </p:cNvPicPr>
+          <p:nvPr/>
+        </p:nvPicPr>
+        <p:blipFill>
+          <a:blip r:embed="rId3"/>
+          <a:stretch>
+            <a:fillRect/>
+          </a:stretch>
+        </p:blipFill>
+        <p:spPr>
+          <a:xfrm>
+            <a:off x="2357422" y="3714752"/>
+            <a:ext cx="4201112" cy="1838582"/>
+          </a:xfrm>
+          <a:prstGeom prst="rect">
+            <a:avLst/>
+          </a:prstGeom>
+        </p:spPr>
+      </p:pic>
+    </p:spTree>
+  </p:cSld>
+  <p:clrMapOvr>
+    <a:masterClrMapping/>
+  </p:clrMapOvr>
+</p:sld>
+</file>
+
+<file path=ppt/slides/slide8.xml><?xml version="1.0" encoding="utf-8"?>
+<p:sld xmlns:a="http://schemas.openxmlformats.org/drawingml/2006/main" xmlns:r="http://schemas.openxmlformats.org/officeDocument/2006/relationships" xmlns:p="http://schemas.openxmlformats.org/presentationml/2006/main">
+  <p:cSld>
+    <p:spTree>
+      <p:nvGrpSpPr>
+        <p:cNvPr id="1" name=""/>
+        <p:cNvGrpSpPr/>
+        <p:nvPr/>
+      </p:nvGrpSpPr>
+      <p:grpSpPr>
+        <a:xfrm>
+          <a:off x="0" y="0"/>
+          <a:ext cx="0" cy="0"/>
+          <a:chOff x="0" y="0"/>
+          <a:chExt cx="0" cy="0"/>
+        </a:xfrm>
+      </p:grpSpPr>
+      <p:sp>
+        <p:nvSpPr>
+          <p:cNvPr id="2" name="Tytuł 1"/>
+          <p:cNvSpPr>
+            <a:spLocks noGrp="1"/>
+          </p:cNvSpPr>
+          <p:nvPr>
+            <p:ph type="title"/>
+          </p:nvPr>
+        </p:nvSpPr>
+        <p:spPr/>
+        <p:txBody>
+          <a:bodyPr/>
+          <a:lstStyle/>
+          <a:p>
+            <a:r>
+              <a:rPr lang="pl-PL" dirty="0" smtClean="0"/>
+              <a:t>Algorytm w </a:t>
+            </a:r>
+            <a:r>
+              <a:rPr lang="pl-PL" dirty="0" err="1" smtClean="0"/>
+              <a:t>asm</a:t>
+            </a:r>
+            <a:endParaRPr lang="pl-PL" dirty="0"/>
+          </a:p>
+        </p:txBody>
+      </p:sp>
+      <p:pic>
+        <p:nvPicPr>
+          <p:cNvPr id="4" name="Obraz 3" descr="alg1.PNG"/>
+          <p:cNvPicPr>
+            <a:picLocks noChangeAspect="1"/>
+          </p:cNvPicPr>
+          <p:nvPr/>
+        </p:nvPicPr>
+        <p:blipFill>
+          <a:blip r:embed="rId2"/>
+          <a:stretch>
+            <a:fillRect/>
+          </a:stretch>
+        </p:blipFill>
+        <p:spPr>
+          <a:xfrm>
+            <a:off x="439829" y="1474336"/>
+            <a:ext cx="7771177" cy="2051939"/>
+          </a:xfrm>
+          <a:prstGeom prst="rect">
+            <a:avLst/>
+          </a:prstGeom>
+        </p:spPr>
+      </p:pic>
+      <p:pic>
+        <p:nvPicPr>
+          <p:cNvPr id="5" name="Obraz 4" descr="reg1.PNG"/>
+          <p:cNvPicPr>
+            <a:picLocks noChangeAspect="1"/>
+          </p:cNvPicPr>
+          <p:nvPr/>
+        </p:nvPicPr>
+        <p:blipFill>
+          <a:blip r:embed="rId3"/>
+          <a:stretch>
+            <a:fillRect/>
+          </a:stretch>
+        </p:blipFill>
+        <p:spPr>
+          <a:xfrm>
+            <a:off x="2384883" y="3714752"/>
+            <a:ext cx="4146189" cy="1838582"/>
+          </a:xfrm>
+          <a:prstGeom prst="rect">
+            <a:avLst/>
+          </a:prstGeom>
+        </p:spPr>
+      </p:pic>
+    </p:spTree>
+  </p:cSld>
+  <p:clrMapOvr>
+    <a:masterClrMapping/>
+  </p:clrMapOvr>
+</p:sld>
+</file>
+
+<file path=ppt/slides/slide9.xml><?xml version="1.0" encoding="utf-8"?>
+<p:sld xmlns:a="http://schemas.openxmlformats.org/drawingml/2006/main" xmlns:r="http://schemas.openxmlformats.org/officeDocument/2006/relationships" xmlns:p="http://schemas.openxmlformats.org/presentationml/2006/main">
+  <p:cSld>
+    <p:spTree>
+      <p:nvGrpSpPr>
+        <p:cNvPr id="1" name=""/>
+        <p:cNvGrpSpPr/>
+        <p:nvPr/>
+      </p:nvGrpSpPr>
+      <p:grpSpPr>
+        <a:xfrm>
+          <a:off x="0" y="0"/>
+          <a:ext cx="0" cy="0"/>
+          <a:chOff x="0" y="0"/>
+          <a:chExt cx="0" cy="0"/>
+        </a:xfrm>
+      </p:grpSpPr>
+      <p:sp>
+        <p:nvSpPr>
+          <p:cNvPr id="2" name="Tytuł 1"/>
+          <p:cNvSpPr>
+            <a:spLocks noGrp="1"/>
+          </p:cNvSpPr>
+          <p:nvPr>
+            <p:ph type="title"/>
+          </p:nvPr>
+        </p:nvSpPr>
+        <p:spPr/>
+        <p:txBody>
+          <a:bodyPr/>
+          <a:lstStyle/>
+          <a:p>
+            <a:r>
+              <a:rPr lang="pl-PL" dirty="0" smtClean="0"/>
+              <a:t>Algorytm w </a:t>
+            </a:r>
+            <a:r>
+              <a:rPr lang="pl-PL" dirty="0" err="1" smtClean="0"/>
+              <a:t>asm</a:t>
+            </a:r>
+            <a:endParaRPr lang="pl-PL" dirty="0"/>
+          </a:p>
+        </p:txBody>
+      </p:sp>
+      <p:pic>
+        <p:nvPicPr>
+          <p:cNvPr id="4" name="Obraz 3" descr="alg1.PNG"/>
+          <p:cNvPicPr>
+            <a:picLocks noChangeAspect="1"/>
+          </p:cNvPicPr>
+          <p:nvPr/>
+        </p:nvPicPr>
+        <p:blipFill>
+          <a:blip r:embed="rId2"/>
+          <a:stretch>
+            <a:fillRect/>
+          </a:stretch>
+        </p:blipFill>
+        <p:spPr>
+          <a:xfrm>
+            <a:off x="439829" y="1475475"/>
+            <a:ext cx="7771177" cy="2049661"/>
+          </a:xfrm>
+          <a:prstGeom prst="rect">
+            <a:avLst/>
+          </a:prstGeom>
+        </p:spPr>
+      </p:pic>
+      <p:pic>
+        <p:nvPicPr>
+          <p:cNvPr id="5" name="Obraz 4" descr="reg1.PNG"/>
+          <p:cNvPicPr>
+            <a:picLocks noChangeAspect="1"/>
+          </p:cNvPicPr>
+          <p:nvPr/>
+        </p:nvPicPr>
+        <p:blipFill>
+          <a:blip r:embed="rId3"/>
+          <a:stretch>
+            <a:fillRect/>
+          </a:stretch>
+        </p:blipFill>
+        <p:spPr>
+          <a:xfrm>
+            <a:off x="2384883" y="3722070"/>
+            <a:ext cx="4146189" cy="1823946"/>
+          </a:xfrm>
+          <a:prstGeom prst="rect">
+            <a:avLst/>
+          </a:prstGeom>
+        </p:spPr>
+      </p:pic>
     </p:spTree>
   </p:cSld>
   <p:clrMapOvr>

--- a/Algorytm solaryzacji obrazu.pptx
+++ b/Algorytm solaryzacji obrazu.pptx
@@ -17,7 +17,9 @@
     <p:sldId id="265" r:id="rId11"/>
     <p:sldId id="266" r:id="rId12"/>
     <p:sldId id="267" r:id="rId13"/>
-    <p:sldId id="268" r:id="rId14"/>
+    <p:sldId id="269" r:id="rId14"/>
+    <p:sldId id="270" r:id="rId15"/>
+    <p:sldId id="268" r:id="rId16"/>
   </p:sldIdLst>
   <p:sldSz cx="9144000" cy="6858000" type="screen4x3"/>
   <p:notesSz cx="6858000" cy="9144000"/>
@@ -117,6 +119,441 @@
     </a:lvl9pPr>
   </p:defaultTextStyle>
 </p:presentation>
+</file>
+
+<file path=ppt/charts/chart1.xml><?xml version="1.0" encoding="utf-8"?>
+<c:chartSpace xmlns:c="http://schemas.openxmlformats.org/drawingml/2006/chart" xmlns:a="http://schemas.openxmlformats.org/drawingml/2006/main" xmlns:r="http://schemas.openxmlformats.org/officeDocument/2006/relationships">
+  <c:lang val="pl-PL"/>
+  <c:chart>
+    <c:plotArea>
+      <c:layout>
+        <c:manualLayout>
+          <c:layoutTarget val="inner"/>
+          <c:xMode val="edge"/>
+          <c:yMode val="edge"/>
+          <c:x val="0.15920448197356044"/>
+          <c:y val="0.10455958135727114"/>
+          <c:w val="0.67095175882611224"/>
+          <c:h val="0.71135817679513424"/>
+        </c:manualLayout>
+      </c:layout>
+      <c:lineChart>
+        <c:grouping val="standard"/>
+        <c:ser>
+          <c:idx val="0"/>
+          <c:order val="0"/>
+          <c:tx>
+            <c:strRef>
+              <c:f>Arkusz1!$B$1</c:f>
+              <c:strCache>
+                <c:ptCount val="1"/>
+                <c:pt idx="0">
+                  <c:v>C++</c:v>
+                </c:pt>
+              </c:strCache>
+            </c:strRef>
+          </c:tx>
+          <c:marker>
+            <c:symbol val="none"/>
+          </c:marker>
+          <c:cat>
+            <c:numRef>
+              <c:f>Arkusz1!$A$2:$A$21</c:f>
+              <c:numCache>
+                <c:formatCode>General</c:formatCode>
+                <c:ptCount val="20"/>
+                <c:pt idx="0">
+                  <c:v>1</c:v>
+                </c:pt>
+                <c:pt idx="1">
+                  <c:v>2</c:v>
+                </c:pt>
+                <c:pt idx="2">
+                  <c:v>3</c:v>
+                </c:pt>
+                <c:pt idx="3">
+                  <c:v>4</c:v>
+                </c:pt>
+                <c:pt idx="4">
+                  <c:v>5</c:v>
+                </c:pt>
+                <c:pt idx="5">
+                  <c:v>6</c:v>
+                </c:pt>
+                <c:pt idx="6">
+                  <c:v>7</c:v>
+                </c:pt>
+                <c:pt idx="7">
+                  <c:v>8</c:v>
+                </c:pt>
+                <c:pt idx="8">
+                  <c:v>9</c:v>
+                </c:pt>
+                <c:pt idx="9">
+                  <c:v>10</c:v>
+                </c:pt>
+                <c:pt idx="10">
+                  <c:v>11</c:v>
+                </c:pt>
+                <c:pt idx="11">
+                  <c:v>12</c:v>
+                </c:pt>
+                <c:pt idx="12">
+                  <c:v>13</c:v>
+                </c:pt>
+                <c:pt idx="13">
+                  <c:v>14</c:v>
+                </c:pt>
+                <c:pt idx="14">
+                  <c:v>15</c:v>
+                </c:pt>
+                <c:pt idx="15">
+                  <c:v>16</c:v>
+                </c:pt>
+                <c:pt idx="16">
+                  <c:v>17</c:v>
+                </c:pt>
+                <c:pt idx="17">
+                  <c:v>18</c:v>
+                </c:pt>
+                <c:pt idx="18">
+                  <c:v>19</c:v>
+                </c:pt>
+                <c:pt idx="19">
+                  <c:v>20</c:v>
+                </c:pt>
+              </c:numCache>
+            </c:numRef>
+          </c:cat>
+          <c:val>
+            <c:numRef>
+              <c:f>Arkusz1!$B$2:$B$21</c:f>
+              <c:numCache>
+                <c:formatCode>General</c:formatCode>
+                <c:ptCount val="20"/>
+                <c:pt idx="0">
+                  <c:v>224</c:v>
+                </c:pt>
+                <c:pt idx="1">
+                  <c:v>93</c:v>
+                </c:pt>
+                <c:pt idx="2">
+                  <c:v>64</c:v>
+                </c:pt>
+                <c:pt idx="3">
+                  <c:v>84</c:v>
+                </c:pt>
+                <c:pt idx="4">
+                  <c:v>81</c:v>
+                </c:pt>
+                <c:pt idx="5">
+                  <c:v>80</c:v>
+                </c:pt>
+                <c:pt idx="6">
+                  <c:v>66</c:v>
+                </c:pt>
+                <c:pt idx="7">
+                  <c:v>94</c:v>
+                </c:pt>
+                <c:pt idx="8">
+                  <c:v>80</c:v>
+                </c:pt>
+                <c:pt idx="9">
+                  <c:v>74</c:v>
+                </c:pt>
+                <c:pt idx="10">
+                  <c:v>92</c:v>
+                </c:pt>
+                <c:pt idx="11">
+                  <c:v>109</c:v>
+                </c:pt>
+                <c:pt idx="12">
+                  <c:v>95</c:v>
+                </c:pt>
+                <c:pt idx="13">
+                  <c:v>77</c:v>
+                </c:pt>
+                <c:pt idx="14">
+                  <c:v>85</c:v>
+                </c:pt>
+                <c:pt idx="15">
+                  <c:v>116</c:v>
+                </c:pt>
+                <c:pt idx="16">
+                  <c:v>98</c:v>
+                </c:pt>
+                <c:pt idx="17">
+                  <c:v>99</c:v>
+                </c:pt>
+                <c:pt idx="18">
+                  <c:v>85</c:v>
+                </c:pt>
+                <c:pt idx="19">
+                  <c:v>93</c:v>
+                </c:pt>
+              </c:numCache>
+            </c:numRef>
+          </c:val>
+        </c:ser>
+        <c:ser>
+          <c:idx val="1"/>
+          <c:order val="1"/>
+          <c:tx>
+            <c:strRef>
+              <c:f>Arkusz1!$C$1</c:f>
+              <c:strCache>
+                <c:ptCount val="1"/>
+                <c:pt idx="0">
+                  <c:v>Asm</c:v>
+                </c:pt>
+              </c:strCache>
+            </c:strRef>
+          </c:tx>
+          <c:marker>
+            <c:symbol val="none"/>
+          </c:marker>
+          <c:cat>
+            <c:numRef>
+              <c:f>Arkusz1!$A$2:$A$21</c:f>
+              <c:numCache>
+                <c:formatCode>General</c:formatCode>
+                <c:ptCount val="20"/>
+                <c:pt idx="0">
+                  <c:v>1</c:v>
+                </c:pt>
+                <c:pt idx="1">
+                  <c:v>2</c:v>
+                </c:pt>
+                <c:pt idx="2">
+                  <c:v>3</c:v>
+                </c:pt>
+                <c:pt idx="3">
+                  <c:v>4</c:v>
+                </c:pt>
+                <c:pt idx="4">
+                  <c:v>5</c:v>
+                </c:pt>
+                <c:pt idx="5">
+                  <c:v>6</c:v>
+                </c:pt>
+                <c:pt idx="6">
+                  <c:v>7</c:v>
+                </c:pt>
+                <c:pt idx="7">
+                  <c:v>8</c:v>
+                </c:pt>
+                <c:pt idx="8">
+                  <c:v>9</c:v>
+                </c:pt>
+                <c:pt idx="9">
+                  <c:v>10</c:v>
+                </c:pt>
+                <c:pt idx="10">
+                  <c:v>11</c:v>
+                </c:pt>
+                <c:pt idx="11">
+                  <c:v>12</c:v>
+                </c:pt>
+                <c:pt idx="12">
+                  <c:v>13</c:v>
+                </c:pt>
+                <c:pt idx="13">
+                  <c:v>14</c:v>
+                </c:pt>
+                <c:pt idx="14">
+                  <c:v>15</c:v>
+                </c:pt>
+                <c:pt idx="15">
+                  <c:v>16</c:v>
+                </c:pt>
+                <c:pt idx="16">
+                  <c:v>17</c:v>
+                </c:pt>
+                <c:pt idx="17">
+                  <c:v>18</c:v>
+                </c:pt>
+                <c:pt idx="18">
+                  <c:v>19</c:v>
+                </c:pt>
+                <c:pt idx="19">
+                  <c:v>20</c:v>
+                </c:pt>
+              </c:numCache>
+            </c:numRef>
+          </c:cat>
+          <c:val>
+            <c:numRef>
+              <c:f>Arkusz1!$C$2:$C$21</c:f>
+              <c:numCache>
+                <c:formatCode>General</c:formatCode>
+                <c:ptCount val="20"/>
+                <c:pt idx="0">
+                  <c:v>85</c:v>
+                </c:pt>
+                <c:pt idx="1">
+                  <c:v>21</c:v>
+                </c:pt>
+                <c:pt idx="2">
+                  <c:v>22</c:v>
+                </c:pt>
+                <c:pt idx="3">
+                  <c:v>25</c:v>
+                </c:pt>
+                <c:pt idx="4">
+                  <c:v>27</c:v>
+                </c:pt>
+                <c:pt idx="5">
+                  <c:v>28</c:v>
+                </c:pt>
+                <c:pt idx="6">
+                  <c:v>33</c:v>
+                </c:pt>
+                <c:pt idx="7">
+                  <c:v>34</c:v>
+                </c:pt>
+                <c:pt idx="8">
+                  <c:v>35</c:v>
+                </c:pt>
+                <c:pt idx="9">
+                  <c:v>36</c:v>
+                </c:pt>
+                <c:pt idx="10">
+                  <c:v>36</c:v>
+                </c:pt>
+                <c:pt idx="11">
+                  <c:v>45</c:v>
+                </c:pt>
+                <c:pt idx="12">
+                  <c:v>40</c:v>
+                </c:pt>
+                <c:pt idx="13">
+                  <c:v>42</c:v>
+                </c:pt>
+                <c:pt idx="14">
+                  <c:v>42</c:v>
+                </c:pt>
+                <c:pt idx="15">
+                  <c:v>46</c:v>
+                </c:pt>
+                <c:pt idx="16">
+                  <c:v>50</c:v>
+                </c:pt>
+                <c:pt idx="17">
+                  <c:v>53</c:v>
+                </c:pt>
+                <c:pt idx="18">
+                  <c:v>51</c:v>
+                </c:pt>
+                <c:pt idx="19">
+                  <c:v>54</c:v>
+                </c:pt>
+              </c:numCache>
+            </c:numRef>
+          </c:val>
+        </c:ser>
+        <c:marker val="1"/>
+        <c:axId val="85095936"/>
+        <c:axId val="85097472"/>
+      </c:lineChart>
+      <c:catAx>
+        <c:axId val="85095936"/>
+        <c:scaling>
+          <c:orientation val="minMax"/>
+        </c:scaling>
+        <c:axPos val="b"/>
+        <c:title>
+          <c:tx>
+            <c:rich>
+              <a:bodyPr/>
+              <a:lstStyle/>
+              <a:p>
+                <a:pPr>
+                  <a:defRPr/>
+                </a:pPr>
+                <a:r>
+                  <a:rPr lang="pl-PL" dirty="0" smtClean="0"/>
+                  <a:t>Liczba wątków</a:t>
+                </a:r>
+                <a:endParaRPr lang="pl-PL" dirty="0"/>
+              </a:p>
+            </c:rich>
+          </c:tx>
+          <c:layout>
+            <c:manualLayout>
+              <c:xMode val="edge"/>
+              <c:yMode val="edge"/>
+              <c:x val="0.38518604201431761"/>
+              <c:y val="0.889950485239275"/>
+            </c:manualLayout>
+          </c:layout>
+        </c:title>
+        <c:numFmt formatCode="General" sourceLinked="1"/>
+        <c:tickLblPos val="nextTo"/>
+        <c:crossAx val="85097472"/>
+        <c:crosses val="autoZero"/>
+        <c:auto val="1"/>
+        <c:lblAlgn val="ctr"/>
+        <c:lblOffset val="100"/>
+        <c:tickLblSkip val="3"/>
+      </c:catAx>
+      <c:valAx>
+        <c:axId val="85097472"/>
+        <c:scaling>
+          <c:orientation val="minMax"/>
+        </c:scaling>
+        <c:axPos val="l"/>
+        <c:majorGridlines/>
+        <c:title>
+          <c:tx>
+            <c:rich>
+              <a:bodyPr rot="0" vert="horz"/>
+              <a:lstStyle/>
+              <a:p>
+                <a:pPr>
+                  <a:defRPr/>
+                </a:pPr>
+                <a:r>
+                  <a:rPr lang="pl-PL" dirty="0" err="1" smtClean="0"/>
+                  <a:t>ms</a:t>
+                </a:r>
+                <a:endParaRPr lang="pl-PL" dirty="0"/>
+              </a:p>
+            </c:rich>
+          </c:tx>
+          <c:layout>
+            <c:manualLayout>
+              <c:xMode val="edge"/>
+              <c:yMode val="edge"/>
+              <c:x val="2.0877737755886791E-2"/>
+              <c:y val="0.42285264920110149"/>
+            </c:manualLayout>
+          </c:layout>
+        </c:title>
+        <c:numFmt formatCode="General" sourceLinked="1"/>
+        <c:tickLblPos val="nextTo"/>
+        <c:crossAx val="85095936"/>
+        <c:crosses val="autoZero"/>
+        <c:crossBetween val="between"/>
+      </c:valAx>
+    </c:plotArea>
+    <c:legend>
+      <c:legendPos val="r"/>
+      <c:layout/>
+    </c:legend>
+    <c:plotVisOnly val="1"/>
+  </c:chart>
+  <c:txPr>
+    <a:bodyPr/>
+    <a:lstStyle/>
+    <a:p>
+      <a:pPr>
+        <a:defRPr sz="1800"/>
+      </a:pPr>
+      <a:endParaRPr lang="pl-PL"/>
+    </a:p>
+  </c:txPr>
+  <c:externalData r:id="rId1"/>
+</c:chartSpace>
 </file>
 
 <file path=ppt/slideLayouts/slideLayout1.xml><?xml version="1.0" encoding="utf-8"?>
@@ -3911,6 +4348,248 @@
       </p:grpSpPr>
       <p:sp>
         <p:nvSpPr>
+          <p:cNvPr id="2" name="Tytuł 1"/>
+          <p:cNvSpPr>
+            <a:spLocks noGrp="1"/>
+          </p:cNvSpPr>
+          <p:nvPr>
+            <p:ph type="title"/>
+          </p:nvPr>
+        </p:nvSpPr>
+        <p:spPr/>
+        <p:txBody>
+          <a:bodyPr/>
+          <a:lstStyle/>
+          <a:p>
+            <a:r>
+              <a:rPr lang="pl-PL" dirty="0" smtClean="0"/>
+              <a:t>Porównanie czasów</a:t>
+            </a:r>
+            <a:endParaRPr lang="pl-PL" dirty="0"/>
+          </a:p>
+        </p:txBody>
+      </p:sp>
+      <p:pic>
+        <p:nvPicPr>
+          <p:cNvPr id="4" name="Obraz 3" descr="city_cpp_results.PNG"/>
+          <p:cNvPicPr>
+            <a:picLocks noChangeAspect="1"/>
+          </p:cNvPicPr>
+          <p:nvPr/>
+        </p:nvPicPr>
+        <p:blipFill>
+          <a:blip r:embed="rId2"/>
+          <a:srcRect t="6060" r="25356" b="14849"/>
+          <a:stretch>
+            <a:fillRect/>
+          </a:stretch>
+        </p:blipFill>
+        <p:spPr>
+          <a:xfrm>
+            <a:off x="556232" y="1928802"/>
+            <a:ext cx="2872760" cy="3857652"/>
+          </a:xfrm>
+          <a:prstGeom prst="rect">
+            <a:avLst/>
+          </a:prstGeom>
+        </p:spPr>
+      </p:pic>
+      <p:sp>
+        <p:nvSpPr>
+          <p:cNvPr id="5" name="pole tekstowe 4"/>
+          <p:cNvSpPr txBox="1"/>
+          <p:nvPr/>
+        </p:nvSpPr>
+        <p:spPr>
+          <a:xfrm>
+            <a:off x="500034" y="1571612"/>
+            <a:ext cx="1976823" cy="369332"/>
+          </a:xfrm>
+          <a:prstGeom prst="rect">
+            <a:avLst/>
+          </a:prstGeom>
+          <a:noFill/>
+        </p:spPr>
+        <p:txBody>
+          <a:bodyPr wrap="none" rtlCol="0">
+            <a:spAutoFit/>
+          </a:bodyPr>
+          <a:lstStyle/>
+          <a:p>
+            <a:r>
+              <a:rPr lang="pl-PL" dirty="0" smtClean="0">
+                <a:latin typeface="Courier New" pitchFamily="49" charset="0"/>
+                <a:cs typeface="Courier New" pitchFamily="49" charset="0"/>
+              </a:rPr>
+              <a:t>C++ (</a:t>
+            </a:r>
+            <a:r>
+              <a:rPr lang="pl-PL" dirty="0" err="1" smtClean="0">
+                <a:latin typeface="Courier New" pitchFamily="49" charset="0"/>
+                <a:cs typeface="Courier New" pitchFamily="49" charset="0"/>
+              </a:rPr>
+              <a:t>Release</a:t>
+            </a:r>
+            <a:r>
+              <a:rPr lang="pl-PL" dirty="0" smtClean="0">
+                <a:latin typeface="Courier New" pitchFamily="49" charset="0"/>
+                <a:cs typeface="Courier New" pitchFamily="49" charset="0"/>
+              </a:rPr>
+              <a:t>)</a:t>
+            </a:r>
+            <a:endParaRPr lang="pl-PL" dirty="0"/>
+          </a:p>
+        </p:txBody>
+      </p:sp>
+      <p:pic>
+        <p:nvPicPr>
+          <p:cNvPr id="6" name="Obraz 5" descr="city_asm128_results.PNG"/>
+          <p:cNvPicPr>
+            <a:picLocks noChangeAspect="1"/>
+          </p:cNvPicPr>
+          <p:nvPr/>
+        </p:nvPicPr>
+        <p:blipFill>
+          <a:blip r:embed="rId3"/>
+          <a:srcRect t="6061" r="21160" b="13384"/>
+          <a:stretch>
+            <a:fillRect/>
+          </a:stretch>
+        </p:blipFill>
+        <p:spPr>
+          <a:xfrm>
+            <a:off x="4572000" y="1928802"/>
+            <a:ext cx="3071834" cy="3929090"/>
+          </a:xfrm>
+          <a:prstGeom prst="rect">
+            <a:avLst/>
+          </a:prstGeom>
+        </p:spPr>
+      </p:pic>
+      <p:sp>
+        <p:nvSpPr>
+          <p:cNvPr id="7" name="pole tekstowe 6"/>
+          <p:cNvSpPr txBox="1"/>
+          <p:nvPr/>
+        </p:nvSpPr>
+        <p:spPr>
+          <a:xfrm>
+            <a:off x="4572000" y="1571612"/>
+            <a:ext cx="1287532" cy="369332"/>
+          </a:xfrm>
+          <a:prstGeom prst="rect">
+            <a:avLst/>
+          </a:prstGeom>
+          <a:noFill/>
+        </p:spPr>
+        <p:txBody>
+          <a:bodyPr wrap="none" rtlCol="0">
+            <a:spAutoFit/>
+          </a:bodyPr>
+          <a:lstStyle/>
+          <a:p>
+            <a:r>
+              <a:rPr lang="pl-PL" dirty="0" smtClean="0">
+                <a:latin typeface="Courier New" pitchFamily="49" charset="0"/>
+                <a:cs typeface="Courier New" pitchFamily="49" charset="0"/>
+              </a:rPr>
+              <a:t>Asembler</a:t>
+            </a:r>
+            <a:endParaRPr lang="pl-PL" dirty="0"/>
+          </a:p>
+        </p:txBody>
+      </p:sp>
+    </p:spTree>
+  </p:cSld>
+  <p:clrMapOvr>
+    <a:masterClrMapping/>
+  </p:clrMapOvr>
+</p:sld>
+</file>
+
+<file path=ppt/slides/slide14.xml><?xml version="1.0" encoding="utf-8"?>
+<p:sld xmlns:a="http://schemas.openxmlformats.org/drawingml/2006/main" xmlns:r="http://schemas.openxmlformats.org/officeDocument/2006/relationships" xmlns:p="http://schemas.openxmlformats.org/presentationml/2006/main">
+  <p:cSld>
+    <p:spTree>
+      <p:nvGrpSpPr>
+        <p:cNvPr id="1" name=""/>
+        <p:cNvGrpSpPr/>
+        <p:nvPr/>
+      </p:nvGrpSpPr>
+      <p:grpSpPr>
+        <a:xfrm>
+          <a:off x="0" y="0"/>
+          <a:ext cx="0" cy="0"/>
+          <a:chOff x="0" y="0"/>
+          <a:chExt cx="0" cy="0"/>
+        </a:xfrm>
+      </p:grpSpPr>
+      <p:graphicFrame>
+        <p:nvGraphicFramePr>
+          <p:cNvPr id="8" name="Wykres 7"/>
+          <p:cNvGraphicFramePr/>
+          <p:nvPr/>
+        </p:nvGraphicFramePr>
+        <p:xfrm>
+          <a:off x="928662" y="1428736"/>
+          <a:ext cx="6691338" cy="4460892"/>
+        </p:xfrm>
+        <a:graphic>
+          <a:graphicData uri="http://schemas.openxmlformats.org/drawingml/2006/chart">
+            <c:chart xmlns:c="http://schemas.openxmlformats.org/drawingml/2006/chart" xmlns:r="http://schemas.openxmlformats.org/officeDocument/2006/relationships" r:id="rId2"/>
+          </a:graphicData>
+        </a:graphic>
+      </p:graphicFrame>
+      <p:sp>
+        <p:nvSpPr>
+          <p:cNvPr id="2" name="Tytuł 1"/>
+          <p:cNvSpPr>
+            <a:spLocks noGrp="1"/>
+          </p:cNvSpPr>
+          <p:nvPr>
+            <p:ph type="title"/>
+          </p:nvPr>
+        </p:nvSpPr>
+        <p:spPr/>
+        <p:txBody>
+          <a:bodyPr/>
+          <a:lstStyle/>
+          <a:p>
+            <a:r>
+              <a:rPr lang="pl-PL" dirty="0" smtClean="0"/>
+              <a:t>Porównanie czasów - wykres</a:t>
+            </a:r>
+            <a:endParaRPr lang="pl-PL" dirty="0"/>
+          </a:p>
+        </p:txBody>
+      </p:sp>
+    </p:spTree>
+  </p:cSld>
+  <p:clrMapOvr>
+    <a:masterClrMapping/>
+  </p:clrMapOvr>
+</p:sld>
+</file>
+
+<file path=ppt/slides/slide15.xml><?xml version="1.0" encoding="utf-8"?>
+<p:sld xmlns:a="http://schemas.openxmlformats.org/drawingml/2006/main" xmlns:r="http://schemas.openxmlformats.org/officeDocument/2006/relationships" xmlns:p="http://schemas.openxmlformats.org/presentationml/2006/main">
+  <p:cSld>
+    <p:spTree>
+      <p:nvGrpSpPr>
+        <p:cNvPr id="1" name=""/>
+        <p:cNvGrpSpPr/>
+        <p:nvPr/>
+      </p:nvGrpSpPr>
+      <p:grpSpPr>
+        <a:xfrm>
+          <a:off x="0" y="0"/>
+          <a:ext cx="0" cy="0"/>
+          <a:chOff x="0" y="0"/>
+          <a:chExt cx="0" cy="0"/>
+        </a:xfrm>
+      </p:grpSpPr>
+      <p:sp>
+        <p:nvSpPr>
           <p:cNvPr id="3" name="Tytuł 2"/>
           <p:cNvSpPr>
             <a:spLocks noGrp="1"/>
